--- a/assets/lectures/cshl/2020/mini/RNASeq_MiniLecture_01_01_FASTA_FASTQ_GTF.pptx
+++ b/assets/lectures/cshl/2020/mini/RNASeq_MiniLecture_01_01_FASTA_FASTQ_GTF.pptx
@@ -1505,14 +1505,14 @@
           </a:ln>
           <a:extLst>
             <a:ext uri="{909E8E84-426E-40dd-AFC4-6F175D3DCCD1}">
-              <a14:hiddenFill xmlns="" xmlns:a14="http://schemas.microsoft.com/office/drawing/2010/main">
+              <a14:hiddenFill xmlns:a14="http://schemas.microsoft.com/office/drawing/2010/main" xmlns="">
                 <a:solidFill>
                   <a:srgbClr val="FFFFFF"/>
                 </a:solidFill>
               </a14:hiddenFill>
             </a:ext>
             <a:ext uri="{91240B29-F687-4f45-9708-019B960494DF}">
-              <a14:hiddenLine xmlns="" xmlns:a14="http://schemas.microsoft.com/office/drawing/2010/main" w="9525">
+              <a14:hiddenLine xmlns:a14="http://schemas.microsoft.com/office/drawing/2010/main" xmlns="" w="9525">
                 <a:solidFill>
                   <a:srgbClr val="000000"/>
                 </a:solidFill>
@@ -1650,14 +1650,14 @@
           </a:ln>
           <a:extLst>
             <a:ext uri="{909E8E84-426E-40dd-AFC4-6F175D3DCCD1}">
-              <a14:hiddenFill xmlns="" xmlns:a14="http://schemas.microsoft.com/office/drawing/2010/main">
+              <a14:hiddenFill xmlns:a14="http://schemas.microsoft.com/office/drawing/2010/main" xmlns="">
                 <a:solidFill>
                   <a:srgbClr val="FFFFFF"/>
                 </a:solidFill>
               </a14:hiddenFill>
             </a:ext>
             <a:ext uri="{91240B29-F687-4f45-9708-019B960494DF}">
-              <a14:hiddenLine xmlns="" xmlns:a14="http://schemas.microsoft.com/office/drawing/2010/main" w="9525">
+              <a14:hiddenLine xmlns:a14="http://schemas.microsoft.com/office/drawing/2010/main" xmlns="" w="9525">
                 <a:solidFill>
                   <a:srgbClr val="000000"/>
                 </a:solidFill>
@@ -3268,14 +3268,14 @@
           </a:ln>
           <a:extLst>
             <a:ext uri="{909E8E84-426E-40dd-AFC4-6F175D3DCCD1}">
-              <a14:hiddenFill xmlns:a14="http://schemas.microsoft.com/office/drawing/2010/main" xmlns="">
+              <a14:hiddenFill xmlns="" xmlns:a14="http://schemas.microsoft.com/office/drawing/2010/main">
                 <a:solidFill>
                   <a:srgbClr val="FFFFFF"/>
                 </a:solidFill>
               </a14:hiddenFill>
             </a:ext>
             <a:ext uri="{91240B29-F687-4f45-9708-019B960494DF}">
-              <a14:hiddenLine xmlns:a14="http://schemas.microsoft.com/office/drawing/2010/main" xmlns="" w="9525">
+              <a14:hiddenLine xmlns="" xmlns:a14="http://schemas.microsoft.com/office/drawing/2010/main" w="9525">
                 <a:solidFill>
                   <a:srgbClr val="000000"/>
                 </a:solidFill>
@@ -3959,14 +3959,14 @@
           </a:ln>
           <a:extLst>
             <a:ext uri="{909E8E84-426E-40dd-AFC4-6F175D3DCCD1}">
-              <a14:hiddenFill xmlns:a14="http://schemas.microsoft.com/office/drawing/2010/main" xmlns="">
+              <a14:hiddenFill xmlns="" xmlns:a14="http://schemas.microsoft.com/office/drawing/2010/main">
                 <a:solidFill>
                   <a:srgbClr val="FFFFFF"/>
                 </a:solidFill>
               </a14:hiddenFill>
             </a:ext>
             <a:ext uri="{91240B29-F687-4f45-9708-019B960494DF}">
-              <a14:hiddenLine xmlns:a14="http://schemas.microsoft.com/office/drawing/2010/main" xmlns="" w="9525">
+              <a14:hiddenLine xmlns="" xmlns:a14="http://schemas.microsoft.com/office/drawing/2010/main" w="9525">
                 <a:solidFill>
                   <a:srgbClr val="000000"/>
                 </a:solidFill>
@@ -4254,14 +4254,14 @@
           </a:ln>
           <a:extLst>
             <a:ext uri="{909E8E84-426E-40dd-AFC4-6F175D3DCCD1}">
-              <a14:hiddenFill xmlns="" xmlns:a14="http://schemas.microsoft.com/office/drawing/2010/main">
+              <a14:hiddenFill xmlns:a14="http://schemas.microsoft.com/office/drawing/2010/main" xmlns="">
                 <a:solidFill>
                   <a:srgbClr val="FFFFFF"/>
                 </a:solidFill>
               </a14:hiddenFill>
             </a:ext>
             <a:ext uri="{91240B29-F687-4f45-9708-019B960494DF}">
-              <a14:hiddenLine xmlns="" xmlns:a14="http://schemas.microsoft.com/office/drawing/2010/main" w="9525">
+              <a14:hiddenLine xmlns:a14="http://schemas.microsoft.com/office/drawing/2010/main" xmlns="" w="9525">
                 <a:solidFill>
                   <a:srgbClr val="000000"/>
                 </a:solidFill>
@@ -4311,10 +4311,10 @@
       </p:pic>
       <p:sp>
         <p:nvSpPr>
-          <p:cNvPr id="13" name="Title 1">
-            <a:extLst>
-              <a:ext uri="{FF2B5EF4-FFF2-40B4-BE49-F238E27FC236}">
-                <a16:creationId xmlns:a16="http://schemas.microsoft.com/office/drawing/2014/main" id="{A7987BB6-93AD-1943-A967-6D0E5DFEF3E2}"/>
+          <p:cNvPr id="8" name="Title 1">
+            <a:extLst>
+              <a:ext uri="{FF2B5EF4-FFF2-40B4-BE49-F238E27FC236}">
+                <a16:creationId xmlns:a16="http://schemas.microsoft.com/office/drawing/2014/main" id="{17BFB325-C36D-C643-9293-35DEC0D050E8}"/>
               </a:ext>
             </a:extLst>
           </p:cNvPr>
@@ -4325,8 +4325,8 @@
         </p:nvSpPr>
         <p:spPr>
           <a:xfrm>
-            <a:off x="5879976" y="1219199"/>
-            <a:ext cx="6235824" cy="1161346"/>
+            <a:off x="3647728" y="1219199"/>
+            <a:ext cx="8468072" cy="1161346"/>
           </a:xfrm>
           <a:prstGeom prst="rect">
             <a:avLst/>
@@ -4353,7 +4353,21 @@
                 <a:latin typeface="Calibri"/>
                 <a:cs typeface="Calibri"/>
               </a:rPr>
-              <a:t>Kelsy Cotto, Felicia Gomez, Obi Griffith, Malachi Griffith, </a:t>
+              <a:t>John Chamberlin, </a:t>
+            </a:r>
+            <a:r>
+              <a:rPr lang="en-US" sz="1800" dirty="0" err="1">
+                <a:latin typeface="Calibri"/>
+                <a:cs typeface="Calibri"/>
+              </a:rPr>
+              <a:t>Kelsy</a:t>
+            </a:r>
+            <a:r>
+              <a:rPr lang="en-US" sz="1800" dirty="0">
+                <a:latin typeface="Calibri"/>
+                <a:cs typeface="Calibri"/>
+              </a:rPr>
+              <a:t> Cotto, Felicia Gomez, Obi Griffith, Malachi Griffith, </a:t>
             </a:r>
           </a:p>
           <a:p>
@@ -4365,7 +4379,7 @@
                 <a:latin typeface="Calibri"/>
                 <a:cs typeface="Calibri"/>
               </a:rPr>
-              <a:t>Allegra Petti, Megan </a:t>
+              <a:t>Simone Longo, Allegra Petti, Aaron Quinlan, Megan </a:t>
             </a:r>
             <a:r>
               <a:rPr lang="en-US" sz="1800" dirty="0" err="1">

--- a/assets/lectures/cshl/2020/mini/RNASeq_MiniLecture_01_01_FASTA_FASTQ_GTF.pptx
+++ b/assets/lectures/cshl/2020/mini/RNASeq_MiniLecture_01_01_FASTA_FASTQ_GTF.pptx
@@ -205,7 +205,7 @@
           <a:p>
             <a:fld id="{827BD9F9-8452-A342-BB1B-28ECF19E2CC5}" type="datetimeFigureOut">
               <a:rPr lang="en-US" smtClean="0"/>
-              <a:t>11/9/20</a:t>
+              <a:t>11/16/20</a:t>
             </a:fld>
             <a:endParaRPr lang="en-US"/>
           </a:p>
@@ -1505,14 +1505,14 @@
           </a:ln>
           <a:extLst>
             <a:ext uri="{909E8E84-426E-40dd-AFC4-6F175D3DCCD1}">
-              <a14:hiddenFill xmlns:a14="http://schemas.microsoft.com/office/drawing/2010/main" xmlns="">
+              <a14:hiddenFill xmlns="" xmlns:a14="http://schemas.microsoft.com/office/drawing/2010/main">
                 <a:solidFill>
                   <a:srgbClr val="FFFFFF"/>
                 </a:solidFill>
               </a14:hiddenFill>
             </a:ext>
             <a:ext uri="{91240B29-F687-4f45-9708-019B960494DF}">
-              <a14:hiddenLine xmlns:a14="http://schemas.microsoft.com/office/drawing/2010/main" xmlns="" w="9525">
+              <a14:hiddenLine xmlns="" xmlns:a14="http://schemas.microsoft.com/office/drawing/2010/main" w="9525">
                 <a:solidFill>
                   <a:srgbClr val="000000"/>
                 </a:solidFill>
@@ -1650,14 +1650,14 @@
           </a:ln>
           <a:extLst>
             <a:ext uri="{909E8E84-426E-40dd-AFC4-6F175D3DCCD1}">
-              <a14:hiddenFill xmlns:a14="http://schemas.microsoft.com/office/drawing/2010/main" xmlns="">
+              <a14:hiddenFill xmlns="" xmlns:a14="http://schemas.microsoft.com/office/drawing/2010/main">
                 <a:solidFill>
                   <a:srgbClr val="FFFFFF"/>
                 </a:solidFill>
               </a14:hiddenFill>
             </a:ext>
             <a:ext uri="{91240B29-F687-4f45-9708-019B960494DF}">
-              <a14:hiddenLine xmlns:a14="http://schemas.microsoft.com/office/drawing/2010/main" xmlns="" w="9525">
+              <a14:hiddenLine xmlns="" xmlns:a14="http://schemas.microsoft.com/office/drawing/2010/main" w="9525">
                 <a:solidFill>
                   <a:srgbClr val="000000"/>
                 </a:solidFill>
@@ -3268,14 +3268,14 @@
           </a:ln>
           <a:extLst>
             <a:ext uri="{909E8E84-426E-40dd-AFC4-6F175D3DCCD1}">
-              <a14:hiddenFill xmlns="" xmlns:a14="http://schemas.microsoft.com/office/drawing/2010/main">
+              <a14:hiddenFill xmlns:a14="http://schemas.microsoft.com/office/drawing/2010/main" xmlns="">
                 <a:solidFill>
                   <a:srgbClr val="FFFFFF"/>
                 </a:solidFill>
               </a14:hiddenFill>
             </a:ext>
             <a:ext uri="{91240B29-F687-4f45-9708-019B960494DF}">
-              <a14:hiddenLine xmlns="" xmlns:a14="http://schemas.microsoft.com/office/drawing/2010/main" w="9525">
+              <a14:hiddenLine xmlns:a14="http://schemas.microsoft.com/office/drawing/2010/main" xmlns="" w="9525">
                 <a:solidFill>
                   <a:srgbClr val="000000"/>
                 </a:solidFill>
@@ -3959,14 +3959,14 @@
           </a:ln>
           <a:extLst>
             <a:ext uri="{909E8E84-426E-40dd-AFC4-6F175D3DCCD1}">
-              <a14:hiddenFill xmlns="" xmlns:a14="http://schemas.microsoft.com/office/drawing/2010/main">
+              <a14:hiddenFill xmlns:a14="http://schemas.microsoft.com/office/drawing/2010/main" xmlns="">
                 <a:solidFill>
                   <a:srgbClr val="FFFFFF"/>
                 </a:solidFill>
               </a14:hiddenFill>
             </a:ext>
             <a:ext uri="{91240B29-F687-4f45-9708-019B960494DF}">
-              <a14:hiddenLine xmlns="" xmlns:a14="http://schemas.microsoft.com/office/drawing/2010/main" w="9525">
+              <a14:hiddenLine xmlns:a14="http://schemas.microsoft.com/office/drawing/2010/main" xmlns="" w="9525">
                 <a:solidFill>
                   <a:srgbClr val="000000"/>
                 </a:solidFill>
@@ -4254,14 +4254,14 @@
           </a:ln>
           <a:extLst>
             <a:ext uri="{909E8E84-426E-40dd-AFC4-6F175D3DCCD1}">
-              <a14:hiddenFill xmlns:a14="http://schemas.microsoft.com/office/drawing/2010/main" xmlns="">
+              <a14:hiddenFill xmlns="" xmlns:a14="http://schemas.microsoft.com/office/drawing/2010/main">
                 <a:solidFill>
                   <a:srgbClr val="FFFFFF"/>
                 </a:solidFill>
               </a14:hiddenFill>
             </a:ext>
             <a:ext uri="{91240B29-F687-4f45-9708-019B960494DF}">
-              <a14:hiddenLine xmlns:a14="http://schemas.microsoft.com/office/drawing/2010/main" xmlns="" w="9525">
+              <a14:hiddenLine xmlns="" xmlns:a14="http://schemas.microsoft.com/office/drawing/2010/main" w="9525">
                 <a:solidFill>
                   <a:srgbClr val="000000"/>
                 </a:solidFill>
@@ -4494,7 +4494,14 @@
                 <a:latin typeface="Calibri" panose="020F0502020204030204" pitchFamily="34" charset="0"/>
                 <a:cs typeface="Calibri" panose="020F0502020204030204" pitchFamily="34" charset="0"/>
               </a:rPr>
-              <a:t>Fasta</a:t>
+              <a:t>Fast</a:t>
+            </a:r>
+            <a:r>
+              <a:rPr lang="en-US" sz="2700" b="1" u="sng" dirty="0" err="1">
+                <a:latin typeface="Calibri" panose="020F0502020204030204" pitchFamily="34" charset="0"/>
+                <a:cs typeface="Calibri" panose="020F0502020204030204" pitchFamily="34" charset="0"/>
+              </a:rPr>
+              <a:t>a</a:t>
             </a:r>
             <a:r>
               <a:rPr lang="en-US" sz="2700" b="1" dirty="0">
@@ -5033,7 +5040,14 @@
                 <a:latin typeface="Calibri" panose="020F0502020204030204" pitchFamily="34" charset="0"/>
                 <a:cs typeface="Calibri" panose="020F0502020204030204" pitchFamily="34" charset="0"/>
               </a:rPr>
-              <a:t>Fastq</a:t>
+              <a:t>Fast</a:t>
+            </a:r>
+            <a:r>
+              <a:rPr lang="en-US" sz="2700" b="1" u="sng" dirty="0" err="1">
+                <a:latin typeface="Calibri" panose="020F0502020204030204" pitchFamily="34" charset="0"/>
+                <a:cs typeface="Calibri" panose="020F0502020204030204" pitchFamily="34" charset="0"/>
+              </a:rPr>
+              <a:t>q</a:t>
             </a:r>
             <a:r>
               <a:rPr lang="en-US" sz="2700" b="1" dirty="0">
